--- a/submap/Presentation1.pptx
+++ b/submap/Presentation1.pptx
@@ -5,10 +5,9 @@
     <p:sldMasterId id="2147483648" r:id="rId1"/>
   </p:sldMasterIdLst>
   <p:sldIdLst>
-    <p:sldId id="256" r:id="rId2"/>
-    <p:sldId id="257" r:id="rId3"/>
+    <p:sldId id="257" r:id="rId2"/>
+    <p:sldId id="262" r:id="rId3"/>
     <p:sldId id="259" r:id="rId4"/>
-    <p:sldId id="258" r:id="rId5"/>
   </p:sldIdLst>
   <p:sldSz cx="12192000" cy="6858000"/>
   <p:notesSz cx="6858000" cy="9144000"/>
@@ -168,13 +167,13 @@
               <c:strCache>
                 <c:ptCount val="3"/>
                 <c:pt idx="0">
-                  <c:v>Morning</c:v>
+                  <c:v>Global Opt</c:v>
                 </c:pt>
                 <c:pt idx="1">
-                  <c:v>Afternoon</c:v>
+                  <c:v>Blue Opt</c:v>
                 </c:pt>
                 <c:pt idx="2">
-                  <c:v>Night</c:v>
+                  <c:v>Red Opt</c:v>
                 </c:pt>
               </c:strCache>
             </c:strRef>
@@ -186,13 +185,13 @@
                 <c:formatCode>General</c:formatCode>
                 <c:ptCount val="4"/>
                 <c:pt idx="0">
-                  <c:v>18.588940000000001</c:v>
+                  <c:v>18.910104</c:v>
                 </c:pt>
                 <c:pt idx="1">
-                  <c:v>16.329599999999999</c:v>
+                  <c:v>18.729868</c:v>
                 </c:pt>
                 <c:pt idx="2">
-                  <c:v>18.103525000000001</c:v>
+                  <c:v>17.821671</c:v>
                 </c:pt>
               </c:numCache>
             </c:numRef>
@@ -228,13 +227,13 @@
               <c:strCache>
                 <c:ptCount val="3"/>
                 <c:pt idx="0">
-                  <c:v>Morning</c:v>
+                  <c:v>Global Opt</c:v>
                 </c:pt>
                 <c:pt idx="1">
-                  <c:v>Afternoon</c:v>
+                  <c:v>Blue Opt</c:v>
                 </c:pt>
                 <c:pt idx="2">
-                  <c:v>Night</c:v>
+                  <c:v>Red Opt</c:v>
                 </c:pt>
               </c:strCache>
             </c:strRef>
@@ -246,13 +245,13 @@
                 <c:formatCode>General</c:formatCode>
                 <c:ptCount val="4"/>
                 <c:pt idx="0">
-                  <c:v>22.369399999999999</c:v>
+                  <c:v>15.036686</c:v>
                 </c:pt>
                 <c:pt idx="1">
-                  <c:v>21.564070000000001</c:v>
+                  <c:v>16.143969</c:v>
                 </c:pt>
                 <c:pt idx="2">
-                  <c:v>23.874821000000001</c:v>
+                  <c:v>15.012742</c:v>
                 </c:pt>
               </c:numCache>
             </c:numRef>
@@ -264,66 +263,6 @@
           <c:tx>
             <c:strRef>
               <c:f>Sheet1!$D$1</c:f>
-              <c:strCache>
-                <c:ptCount val="1"/>
-                <c:pt idx="0">
-                  <c:v>Orange</c:v>
-                </c:pt>
-              </c:strCache>
-            </c:strRef>
-          </c:tx>
-          <c:spPr>
-            <a:solidFill>
-              <a:srgbClr val="FFC000"/>
-            </a:solidFill>
-            <a:ln>
-              <a:noFill/>
-            </a:ln>
-            <a:effectLst/>
-          </c:spPr>
-          <c:invertIfNegative val="0"/>
-          <c:cat>
-            <c:strRef>
-              <c:f>Sheet1!$A$2:$A$5</c:f>
-              <c:strCache>
-                <c:ptCount val="3"/>
-                <c:pt idx="0">
-                  <c:v>Morning</c:v>
-                </c:pt>
-                <c:pt idx="1">
-                  <c:v>Afternoon</c:v>
-                </c:pt>
-                <c:pt idx="2">
-                  <c:v>Night</c:v>
-                </c:pt>
-              </c:strCache>
-            </c:strRef>
-          </c:cat>
-          <c:val>
-            <c:numRef>
-              <c:f>Sheet1!$D$2:$D$5</c:f>
-              <c:numCache>
-                <c:formatCode>General</c:formatCode>
-                <c:ptCount val="4"/>
-                <c:pt idx="0">
-                  <c:v>11.94524</c:v>
-                </c:pt>
-                <c:pt idx="1">
-                  <c:v>9.9991050000000001</c:v>
-                </c:pt>
-                <c:pt idx="2">
-                  <c:v>10.996779</c:v>
-                </c:pt>
-              </c:numCache>
-            </c:numRef>
-          </c:val>
-        </c:ser>
-        <c:ser>
-          <c:idx val="3"/>
-          <c:order val="3"/>
-          <c:tx>
-            <c:strRef>
-              <c:f>Sheet1!$E$1</c:f>
               <c:strCache>
                 <c:ptCount val="1"/>
                 <c:pt idx="0">
@@ -348,31 +287,31 @@
               <c:strCache>
                 <c:ptCount val="3"/>
                 <c:pt idx="0">
-                  <c:v>Morning</c:v>
+                  <c:v>Global Opt</c:v>
                 </c:pt>
                 <c:pt idx="1">
-                  <c:v>Afternoon</c:v>
+                  <c:v>Blue Opt</c:v>
                 </c:pt>
                 <c:pt idx="2">
-                  <c:v>Night</c:v>
+                  <c:v>Red Opt</c:v>
                 </c:pt>
               </c:strCache>
             </c:strRef>
           </c:cat>
           <c:val>
             <c:numRef>
-              <c:f>Sheet1!$E$2:$E$5</c:f>
+              <c:f>Sheet1!$D$2:$D$5</c:f>
               <c:numCache>
                 <c:formatCode>General</c:formatCode>
                 <c:ptCount val="4"/>
                 <c:pt idx="0">
-                  <c:v>21.34037</c:v>
+                  <c:v>23.08428776</c:v>
                 </c:pt>
                 <c:pt idx="1">
-                  <c:v>17.917860000000001</c:v>
+                  <c:v>22.8458304</c:v>
                 </c:pt>
                 <c:pt idx="2">
-                  <c:v>21.396296</c:v>
+                  <c:v>23.3245347</c:v>
                 </c:pt>
               </c:numCache>
             </c:numRef>
@@ -388,11 +327,11 @@
         </c:dLbls>
         <c:gapWidth val="219"/>
         <c:overlap val="-27"/>
-        <c:axId val="3021856"/>
-        <c:axId val="3022416"/>
+        <c:axId val="2119727568"/>
+        <c:axId val="2119980272"/>
       </c:barChart>
       <c:catAx>
-        <c:axId val="3021856"/>
+        <c:axId val="2119727568"/>
         <c:scaling>
           <c:orientation val="minMax"/>
         </c:scaling>
@@ -435,7 +374,7 @@
             <a:endParaRPr lang="en-US"/>
           </a:p>
         </c:txPr>
-        <c:crossAx val="3022416"/>
+        <c:crossAx val="2119980272"/>
         <c:crosses val="autoZero"/>
         <c:auto val="1"/>
         <c:lblAlgn val="ctr"/>
@@ -443,9 +382,10 @@
         <c:noMultiLvlLbl val="0"/>
       </c:catAx>
       <c:valAx>
-        <c:axId val="3022416"/>
+        <c:axId val="2119980272"/>
         <c:scaling>
           <c:orientation val="minMax"/>
+          <c:min val="10.0"/>
         </c:scaling>
         <c:delete val="0"/>
         <c:axPos val="l"/>
@@ -494,10 +434,49 @@
             <a:endParaRPr lang="en-US"/>
           </a:p>
         </c:txPr>
-        <c:crossAx val="3021856"/>
+        <c:crossAx val="2119727568"/>
         <c:crosses val="autoZero"/>
         <c:crossBetween val="between"/>
       </c:valAx>
+      <c:dTable>
+        <c:showHorzBorder val="1"/>
+        <c:showVertBorder val="1"/>
+        <c:showOutline val="1"/>
+        <c:showKeys val="1"/>
+        <c:spPr>
+          <a:noFill/>
+          <a:ln w="9525" cap="flat" cmpd="sng" algn="ctr">
+            <a:solidFill>
+              <a:schemeClr val="tx1">
+                <a:lumMod val="15000"/>
+                <a:lumOff val="85000"/>
+              </a:schemeClr>
+            </a:solidFill>
+            <a:round/>
+          </a:ln>
+          <a:effectLst/>
+        </c:spPr>
+        <c:txPr>
+          <a:bodyPr rot="0" spcFirstLastPara="1" vertOverflow="ellipsis" vert="horz" wrap="square" anchor="ctr" anchorCtr="1"/>
+          <a:lstStyle/>
+          <a:p>
+            <a:pPr rtl="0">
+              <a:defRPr sz="1197" b="0" i="0" u="none" strike="noStrike" kern="1200" baseline="0">
+                <a:solidFill>
+                  <a:schemeClr val="tx1">
+                    <a:lumMod val="65000"/>
+                    <a:lumOff val="35000"/>
+                  </a:schemeClr>
+                </a:solidFill>
+                <a:latin typeface="+mn-lt"/>
+                <a:ea typeface="+mn-ea"/>
+                <a:cs typeface="+mn-cs"/>
+              </a:defRPr>
+            </a:pPr>
+            <a:endParaRPr lang="en-US"/>
+          </a:p>
+        </c:txPr>
+      </c:dTable>
       <c:spPr>
         <a:noFill/>
         <a:ln>
@@ -618,13 +597,13 @@
               <c:strCache>
                 <c:ptCount val="3"/>
                 <c:pt idx="0">
-                  <c:v>Morning</c:v>
+                  <c:v>Global Opt</c:v>
                 </c:pt>
                 <c:pt idx="1">
-                  <c:v>Afternoon</c:v>
+                  <c:v>Blue Opt</c:v>
                 </c:pt>
                 <c:pt idx="2">
-                  <c:v>Night</c:v>
+                  <c:v>Red Opt</c:v>
                 </c:pt>
               </c:strCache>
             </c:strRef>
@@ -636,13 +615,13 @@
                 <c:formatCode>General</c:formatCode>
                 <c:ptCount val="4"/>
                 <c:pt idx="0">
-                  <c:v>18.588940000000001</c:v>
+                  <c:v>17.593504</c:v>
                 </c:pt>
                 <c:pt idx="1">
-                  <c:v>16.347529999999999</c:v>
+                  <c:v>15.858142</c:v>
                 </c:pt>
                 <c:pt idx="2">
-                  <c:v>18.103525000000001</c:v>
+                  <c:v>17.103525</c:v>
                 </c:pt>
               </c:numCache>
             </c:numRef>
@@ -678,13 +657,13 @@
               <c:strCache>
                 <c:ptCount val="3"/>
                 <c:pt idx="0">
-                  <c:v>Morning</c:v>
+                  <c:v>Global Opt</c:v>
                 </c:pt>
                 <c:pt idx="1">
-                  <c:v>Afternoon</c:v>
+                  <c:v>Blue Opt</c:v>
                 </c:pt>
                 <c:pt idx="2">
-                  <c:v>Night</c:v>
+                  <c:v>Red Opt</c:v>
                 </c:pt>
               </c:strCache>
             </c:strRef>
@@ -696,10 +675,10 @@
                 <c:formatCode>General</c:formatCode>
                 <c:ptCount val="4"/>
                 <c:pt idx="0">
-                  <c:v>16.170812000000002</c:v>
+                  <c:v>15.125089</c:v>
                 </c:pt>
                 <c:pt idx="1">
-                  <c:v>12.77291</c:v>
+                  <c:v>15.42029</c:v>
                 </c:pt>
                 <c:pt idx="2">
                   <c:v>15.056818</c:v>
@@ -738,13 +717,13 @@
               <c:strCache>
                 <c:ptCount val="3"/>
                 <c:pt idx="0">
-                  <c:v>Morning</c:v>
+                  <c:v>Global Opt</c:v>
                 </c:pt>
                 <c:pt idx="1">
-                  <c:v>Afternoon</c:v>
+                  <c:v>Blue Opt</c:v>
                 </c:pt>
                 <c:pt idx="2">
-                  <c:v>Night</c:v>
+                  <c:v>Red Opt</c:v>
                 </c:pt>
               </c:strCache>
             </c:strRef>
@@ -756,10 +735,10 @@
                 <c:formatCode>General</c:formatCode>
                 <c:ptCount val="4"/>
                 <c:pt idx="0">
-                  <c:v>22.414102</c:v>
+                  <c:v>23.644417</c:v>
                 </c:pt>
                 <c:pt idx="1">
-                  <c:v>21.989080000000001</c:v>
+                  <c:v>18.07445</c:v>
                 </c:pt>
                 <c:pt idx="2">
                   <c:v>24.1991768</c:v>
@@ -778,11 +757,11 @@
         </c:dLbls>
         <c:gapWidth val="219"/>
         <c:overlap val="-27"/>
-        <c:axId val="213471856"/>
-        <c:axId val="213472416"/>
+        <c:axId val="2108278528"/>
+        <c:axId val="2127626080"/>
       </c:barChart>
       <c:catAx>
-        <c:axId val="213471856"/>
+        <c:axId val="2108278528"/>
         <c:scaling>
           <c:orientation val="minMax"/>
         </c:scaling>
@@ -825,7 +804,7 @@
             <a:endParaRPr lang="en-US"/>
           </a:p>
         </c:txPr>
-        <c:crossAx val="213472416"/>
+        <c:crossAx val="2127626080"/>
         <c:crosses val="autoZero"/>
         <c:auto val="1"/>
         <c:lblAlgn val="ctr"/>
@@ -833,7 +812,7 @@
         <c:noMultiLvlLbl val="0"/>
       </c:catAx>
       <c:valAx>
-        <c:axId val="213472416"/>
+        <c:axId val="2127626080"/>
         <c:scaling>
           <c:orientation val="minMax"/>
         </c:scaling>
@@ -884,10 +863,49 @@
             <a:endParaRPr lang="en-US"/>
           </a:p>
         </c:txPr>
-        <c:crossAx val="213471856"/>
+        <c:crossAx val="2108278528"/>
         <c:crosses val="autoZero"/>
         <c:crossBetween val="between"/>
       </c:valAx>
+      <c:dTable>
+        <c:showHorzBorder val="1"/>
+        <c:showVertBorder val="1"/>
+        <c:showOutline val="1"/>
+        <c:showKeys val="1"/>
+        <c:spPr>
+          <a:noFill/>
+          <a:ln w="9525" cap="flat" cmpd="sng" algn="ctr">
+            <a:solidFill>
+              <a:schemeClr val="tx1">
+                <a:lumMod val="15000"/>
+                <a:lumOff val="85000"/>
+              </a:schemeClr>
+            </a:solidFill>
+            <a:round/>
+          </a:ln>
+          <a:effectLst/>
+        </c:spPr>
+        <c:txPr>
+          <a:bodyPr rot="0" spcFirstLastPara="1" vertOverflow="ellipsis" vert="horz" wrap="square" anchor="ctr" anchorCtr="1"/>
+          <a:lstStyle/>
+          <a:p>
+            <a:pPr rtl="0">
+              <a:defRPr sz="1197" b="0" i="0" u="none" strike="noStrike" kern="1200" baseline="0">
+                <a:solidFill>
+                  <a:schemeClr val="tx1">
+                    <a:lumMod val="65000"/>
+                    <a:lumOff val="35000"/>
+                  </a:schemeClr>
+                </a:solidFill>
+                <a:latin typeface="+mn-lt"/>
+                <a:ea typeface="+mn-ea"/>
+                <a:cs typeface="+mn-cs"/>
+              </a:defRPr>
+            </a:pPr>
+            <a:endParaRPr lang="en-US"/>
+          </a:p>
+        </c:txPr>
+      </c:dTable>
       <c:spPr>
         <a:noFill/>
         <a:ln>
@@ -2172,7 +2190,7 @@
           <a:p>
             <a:fld id="{71B325D9-BA85-4A2C-A22B-3AC6227EE2AB}" type="datetimeFigureOut">
               <a:rPr lang="en-US" smtClean="0"/>
-              <a:t>1/27/2017</a:t>
+              <a:t>2/3/17</a:t>
             </a:fld>
             <a:endParaRPr lang="en-US"/>
           </a:p>
@@ -2342,7 +2360,7 @@
           <a:p>
             <a:fld id="{71B325D9-BA85-4A2C-A22B-3AC6227EE2AB}" type="datetimeFigureOut">
               <a:rPr lang="en-US" smtClean="0"/>
-              <a:t>1/27/2017</a:t>
+              <a:t>2/3/17</a:t>
             </a:fld>
             <a:endParaRPr lang="en-US"/>
           </a:p>
@@ -2522,7 +2540,7 @@
           <a:p>
             <a:fld id="{71B325D9-BA85-4A2C-A22B-3AC6227EE2AB}" type="datetimeFigureOut">
               <a:rPr lang="en-US" smtClean="0"/>
-              <a:t>1/27/2017</a:t>
+              <a:t>2/3/17</a:t>
             </a:fld>
             <a:endParaRPr lang="en-US"/>
           </a:p>
@@ -2692,7 +2710,7 @@
           <a:p>
             <a:fld id="{71B325D9-BA85-4A2C-A22B-3AC6227EE2AB}" type="datetimeFigureOut">
               <a:rPr lang="en-US" smtClean="0"/>
-              <a:t>1/27/2017</a:t>
+              <a:t>2/3/17</a:t>
             </a:fld>
             <a:endParaRPr lang="en-US"/>
           </a:p>
@@ -2938,7 +2956,7 @@
           <a:p>
             <a:fld id="{71B325D9-BA85-4A2C-A22B-3AC6227EE2AB}" type="datetimeFigureOut">
               <a:rPr lang="en-US" smtClean="0"/>
-              <a:t>1/27/2017</a:t>
+              <a:t>2/3/17</a:t>
             </a:fld>
             <a:endParaRPr lang="en-US"/>
           </a:p>
@@ -3170,7 +3188,7 @@
           <a:p>
             <a:fld id="{71B325D9-BA85-4A2C-A22B-3AC6227EE2AB}" type="datetimeFigureOut">
               <a:rPr lang="en-US" smtClean="0"/>
-              <a:t>1/27/2017</a:t>
+              <a:t>2/3/17</a:t>
             </a:fld>
             <a:endParaRPr lang="en-US"/>
           </a:p>
@@ -3537,7 +3555,7 @@
           <a:p>
             <a:fld id="{71B325D9-BA85-4A2C-A22B-3AC6227EE2AB}" type="datetimeFigureOut">
               <a:rPr lang="en-US" smtClean="0"/>
-              <a:t>1/27/2017</a:t>
+              <a:t>2/3/17</a:t>
             </a:fld>
             <a:endParaRPr lang="en-US"/>
           </a:p>
@@ -3655,7 +3673,7 @@
           <a:p>
             <a:fld id="{71B325D9-BA85-4A2C-A22B-3AC6227EE2AB}" type="datetimeFigureOut">
               <a:rPr lang="en-US" smtClean="0"/>
-              <a:t>1/27/2017</a:t>
+              <a:t>2/3/17</a:t>
             </a:fld>
             <a:endParaRPr lang="en-US"/>
           </a:p>
@@ -3750,7 +3768,7 @@
           <a:p>
             <a:fld id="{71B325D9-BA85-4A2C-A22B-3AC6227EE2AB}" type="datetimeFigureOut">
               <a:rPr lang="en-US" smtClean="0"/>
-              <a:t>1/27/2017</a:t>
+              <a:t>2/3/17</a:t>
             </a:fld>
             <a:endParaRPr lang="en-US"/>
           </a:p>
@@ -4027,7 +4045,7 @@
           <a:p>
             <a:fld id="{71B325D9-BA85-4A2C-A22B-3AC6227EE2AB}" type="datetimeFigureOut">
               <a:rPr lang="en-US" smtClean="0"/>
-              <a:t>1/27/2017</a:t>
+              <a:t>2/3/17</a:t>
             </a:fld>
             <a:endParaRPr lang="en-US"/>
           </a:p>
@@ -4280,7 +4298,7 @@
           <a:p>
             <a:fld id="{71B325D9-BA85-4A2C-A22B-3AC6227EE2AB}" type="datetimeFigureOut">
               <a:rPr lang="en-US" smtClean="0"/>
-              <a:t>1/27/2017</a:t>
+              <a:t>2/3/17</a:t>
             </a:fld>
             <a:endParaRPr lang="en-US"/>
           </a:p>
@@ -4493,7 +4511,7 @@
           <a:p>
             <a:fld id="{71B325D9-BA85-4A2C-A22B-3AC6227EE2AB}" type="datetimeFigureOut">
               <a:rPr lang="en-US" smtClean="0"/>
-              <a:t>1/27/2017</a:t>
+              <a:t>2/3/17</a:t>
             </a:fld>
             <a:endParaRPr lang="en-US"/>
           </a:p>
@@ -4900,52 +4918,73 @@
       </p:grpSpPr>
       <p:sp>
         <p:nvSpPr>
-          <p:cNvPr id="2" name="Title 1"/>
-          <p:cNvSpPr>
-            <a:spLocks noGrp="1"/>
-          </p:cNvSpPr>
-          <p:nvPr>
-            <p:ph type="ctrTitle"/>
-          </p:nvPr>
-        </p:nvSpPr>
-        <p:spPr/>
+          <p:cNvPr id="3" name="Title 1"/>
+          <p:cNvSpPr>
+            <a:spLocks noGrp="1"/>
+          </p:cNvSpPr>
+          <p:nvPr>
+            <p:ph type="title"/>
+          </p:nvPr>
+        </p:nvSpPr>
+        <p:spPr>
+          <a:xfrm>
+            <a:off x="838200" y="365125"/>
+            <a:ext cx="10515600" cy="1325563"/>
+          </a:xfrm>
+        </p:spPr>
         <p:txBody>
           <a:bodyPr/>
           <a:lstStyle/>
           <a:p>
-            <a:endParaRPr lang="en-US"/>
-          </a:p>
-        </p:txBody>
-      </p:sp>
-      <p:sp>
-        <p:nvSpPr>
-          <p:cNvPr id="3" name="Subtitle 2"/>
-          <p:cNvSpPr>
-            <a:spLocks noGrp="1"/>
-          </p:cNvSpPr>
-          <p:nvPr>
-            <p:ph type="subTitle" idx="1"/>
-          </p:nvPr>
-        </p:nvSpPr>
-        <p:spPr/>
-        <p:txBody>
-          <a:bodyPr/>
-          <a:lstStyle/>
-          <a:p>
-            <a:endParaRPr lang="en-US"/>
-          </a:p>
-        </p:txBody>
-      </p:sp>
+            <a:r>
+              <a:rPr lang="en-US" dirty="0" err="1" smtClean="0"/>
+              <a:t>Submap</a:t>
+            </a:r>
+            <a:endParaRPr lang="en-US" dirty="0"/>
+          </a:p>
+        </p:txBody>
+      </p:sp>
+      <p:pic>
+        <p:nvPicPr>
+          <p:cNvPr id="5" name="Picture 4"/>
+          <p:cNvPicPr>
+            <a:picLocks noChangeAspect="1"/>
+          </p:cNvPicPr>
+          <p:nvPr/>
+        </p:nvPicPr>
+        <p:blipFill>
+          <a:blip r:embed="rId2"/>
+          <a:stretch>
+            <a:fillRect/>
+          </a:stretch>
+        </p:blipFill>
+        <p:spPr>
+          <a:xfrm>
+            <a:off x="1326398" y="1437310"/>
+            <a:ext cx="7849507" cy="5110407"/>
+          </a:xfrm>
+          <a:prstGeom prst="rect">
+            <a:avLst/>
+          </a:prstGeom>
+        </p:spPr>
+      </p:pic>
     </p:spTree>
     <p:extLst>
       <p:ext uri="{BB962C8B-B14F-4D97-AF65-F5344CB8AC3E}">
-        <p14:creationId xmlns:p14="http://schemas.microsoft.com/office/powerpoint/2010/main" val="805160021"/>
+        <p14:creationId xmlns:p14="http://schemas.microsoft.com/office/powerpoint/2010/main" val="4109540751"/>
       </p:ext>
     </p:extLst>
   </p:cSld>
   <p:clrMapOvr>
     <a:masterClrMapping/>
   </p:clrMapOvr>
+  <p:timing>
+    <p:tnLst>
+      <p:par>
+        <p:cTn id="1" dur="indefinite" restart="never" nodeType="tmRoot"/>
+      </p:par>
+    </p:tnLst>
+  </p:timing>
 </p:sld>
 </file>
 
@@ -4976,7 +5015,7 @@
             <p:ph idx="1"/>
             <p:extLst>
               <p:ext uri="{D42A27DB-BD31-4B8C-83A1-F6EECF244321}">
-                <p14:modId xmlns:p14="http://schemas.microsoft.com/office/powerpoint/2010/main" val="3957342158"/>
+                <p14:modId xmlns:p14="http://schemas.microsoft.com/office/powerpoint/2010/main" val="646282017"/>
               </p:ext>
             </p:extLst>
           </p:nvPr>
@@ -5012,12 +5051,8 @@
           <a:lstStyle/>
           <a:p>
             <a:r>
-              <a:rPr lang="en-US" dirty="0" err="1" smtClean="0"/>
-              <a:t>Submap</a:t>
-            </a:r>
-            <a:r>
               <a:rPr lang="en-US" dirty="0" smtClean="0"/>
-              <a:t> with 3 regions</a:t>
+              <a:t>Morning </a:t>
             </a:r>
             <a:endParaRPr lang="en-US" dirty="0"/>
           </a:p>
@@ -5026,13 +5061,20 @@
     </p:spTree>
     <p:extLst>
       <p:ext uri="{BB962C8B-B14F-4D97-AF65-F5344CB8AC3E}">
-        <p14:creationId xmlns:p14="http://schemas.microsoft.com/office/powerpoint/2010/main" val="4109540751"/>
+        <p14:creationId xmlns:p14="http://schemas.microsoft.com/office/powerpoint/2010/main" val="3724274758"/>
       </p:ext>
     </p:extLst>
   </p:cSld>
   <p:clrMapOvr>
     <a:masterClrMapping/>
   </p:clrMapOvr>
+  <p:timing>
+    <p:tnLst>
+      <p:par>
+        <p:cTn id="1" dur="indefinite" restart="never" nodeType="tmRoot"/>
+      </p:par>
+    </p:tnLst>
+  </p:timing>
 </p:sld>
 </file>
 
@@ -5063,7 +5105,7 @@
             <p:ph idx="1"/>
             <p:extLst>
               <p:ext uri="{D42A27DB-BD31-4B8C-83A1-F6EECF244321}">
-                <p14:modId xmlns:p14="http://schemas.microsoft.com/office/powerpoint/2010/main" val="98676638"/>
+                <p14:modId xmlns:p14="http://schemas.microsoft.com/office/powerpoint/2010/main" val="1872188254"/>
               </p:ext>
             </p:extLst>
           </p:nvPr>
@@ -5099,12 +5141,8 @@
           <a:lstStyle/>
           <a:p>
             <a:r>
-              <a:rPr lang="en-US" dirty="0" err="1" smtClean="0"/>
-              <a:t>Submap</a:t>
-            </a:r>
-            <a:r>
               <a:rPr lang="en-US" dirty="0" smtClean="0"/>
-              <a:t> with 2 regions</a:t>
+              <a:t>Afternoon</a:t>
             </a:r>
             <a:endParaRPr lang="en-US" dirty="0"/>
           </a:p>
@@ -5120,74 +5158,13 @@
   <p:clrMapOvr>
     <a:masterClrMapping/>
   </p:clrMapOvr>
-</p:sld>
-</file>
-
-<file path=ppt/slides/slide4.xml><?xml version="1.0" encoding="utf-8"?>
-<p:sld xmlns:a="http://schemas.openxmlformats.org/drawingml/2006/main" xmlns:r="http://schemas.openxmlformats.org/officeDocument/2006/relationships" xmlns:p="http://schemas.openxmlformats.org/presentationml/2006/main">
-  <p:cSld>
-    <p:spTree>
-      <p:nvGrpSpPr>
-        <p:cNvPr id="1" name=""/>
-        <p:cNvGrpSpPr/>
-        <p:nvPr/>
-      </p:nvGrpSpPr>
-      <p:grpSpPr>
-        <a:xfrm>
-          <a:off x="0" y="0"/>
-          <a:ext cx="0" cy="0"/>
-          <a:chOff x="0" y="0"/>
-          <a:chExt cx="0" cy="0"/>
-        </a:xfrm>
-      </p:grpSpPr>
-      <p:sp>
-        <p:nvSpPr>
-          <p:cNvPr id="2" name="Title 1"/>
-          <p:cNvSpPr>
-            <a:spLocks noGrp="1"/>
-          </p:cNvSpPr>
-          <p:nvPr>
-            <p:ph type="title"/>
-          </p:nvPr>
-        </p:nvSpPr>
-        <p:spPr/>
-        <p:txBody>
-          <a:bodyPr/>
-          <a:lstStyle/>
-          <a:p>
-            <a:endParaRPr lang="en-US" dirty="0"/>
-          </a:p>
-        </p:txBody>
-      </p:sp>
-      <p:sp>
-        <p:nvSpPr>
-          <p:cNvPr id="3" name="Content Placeholder 2"/>
-          <p:cNvSpPr>
-            <a:spLocks noGrp="1"/>
-          </p:cNvSpPr>
-          <p:nvPr>
-            <p:ph idx="1"/>
-          </p:nvPr>
-        </p:nvSpPr>
-        <p:spPr/>
-        <p:txBody>
-          <a:bodyPr/>
-          <a:lstStyle/>
-          <a:p>
-            <a:endParaRPr lang="en-US"/>
-          </a:p>
-        </p:txBody>
-      </p:sp>
-    </p:spTree>
-    <p:extLst>
-      <p:ext uri="{BB962C8B-B14F-4D97-AF65-F5344CB8AC3E}">
-        <p14:creationId xmlns:p14="http://schemas.microsoft.com/office/powerpoint/2010/main" val="789682038"/>
-      </p:ext>
-    </p:extLst>
-  </p:cSld>
-  <p:clrMapOvr>
-    <a:masterClrMapping/>
-  </p:clrMapOvr>
+  <p:timing>
+    <p:tnLst>
+      <p:par>
+        <p:cTn id="1" dur="indefinite" restart="never" nodeType="tmRoot"/>
+      </p:par>
+    </p:tnLst>
+  </p:timing>
 </p:sld>
 </file>
 
